--- a/week_12_presentation.pptx
+++ b/week_12_presentation.pptx
@@ -1838,7 +1838,7 @@
           <a:p>
             <a:fld id="{5CF9EFDB-215C-4120-ADCB-EAD745B7163E}" type="datetimeFigureOut">
               <a:rPr lang="en-US" smtClean="0"/>
-              <a:t>5/18/2021</a:t>
+              <a:t>5/19/2021</a:t>
             </a:fld>
             <a:endParaRPr lang="en-US"/>
           </a:p>
@@ -2233,6 +2233,93 @@
           <a:bodyPr/>
           <a:lstStyle/>
           <a:p>
+            <a:r>
+              <a:rPr lang="en-US" dirty="0"/>
+              <a:t>https://www.geeksforgeeks.org/applying-lambda-functions-to-pandas-dataframe/</a:t>
+            </a:r>
+          </a:p>
+        </p:txBody>
+      </p:sp>
+      <p:sp>
+        <p:nvSpPr>
+          <p:cNvPr id="4" name="Slide Number Placeholder 3"/>
+          <p:cNvSpPr>
+            <a:spLocks noGrp="1"/>
+          </p:cNvSpPr>
+          <p:nvPr>
+            <p:ph type="sldNum" sz="quarter" idx="5"/>
+          </p:nvPr>
+        </p:nvSpPr>
+        <p:spPr/>
+        <p:txBody>
+          <a:bodyPr/>
+          <a:lstStyle/>
+          <a:p>
+            <a:fld id="{791F1524-C5FD-4370-8A10-5BE52A97A495}" type="slidenum">
+              <a:rPr lang="en-US" smtClean="0"/>
+              <a:t>5</a:t>
+            </a:fld>
+            <a:endParaRPr lang="en-US"/>
+          </a:p>
+        </p:txBody>
+      </p:sp>
+    </p:spTree>
+    <p:extLst>
+      <p:ext uri="{BB962C8B-B14F-4D97-AF65-F5344CB8AC3E}">
+        <p14:creationId xmlns:p14="http://schemas.microsoft.com/office/powerpoint/2010/main" val="3222814615"/>
+      </p:ext>
+    </p:extLst>
+  </p:cSld>
+  <p:clrMapOvr>
+    <a:masterClrMapping/>
+  </p:clrMapOvr>
+</p:notes>
+</file>
+
+<file path=ppt/notesSlides/notesSlide3.xml><?xml version="1.0" encoding="utf-8"?>
+<p:notes xmlns:a="http://schemas.openxmlformats.org/drawingml/2006/main" xmlns:r="http://schemas.openxmlformats.org/officeDocument/2006/relationships" xmlns:p="http://schemas.openxmlformats.org/presentationml/2006/main">
+  <p:cSld>
+    <p:spTree>
+      <p:nvGrpSpPr>
+        <p:cNvPr id="1" name=""/>
+        <p:cNvGrpSpPr/>
+        <p:nvPr/>
+      </p:nvGrpSpPr>
+      <p:grpSpPr>
+        <a:xfrm>
+          <a:off x="0" y="0"/>
+          <a:ext cx="0" cy="0"/>
+          <a:chOff x="0" y="0"/>
+          <a:chExt cx="0" cy="0"/>
+        </a:xfrm>
+      </p:grpSpPr>
+      <p:sp>
+        <p:nvSpPr>
+          <p:cNvPr id="2" name="Slide Image Placeholder 1"/>
+          <p:cNvSpPr>
+            <a:spLocks noGrp="1" noRot="1" noChangeAspect="1"/>
+          </p:cNvSpPr>
+          <p:nvPr>
+            <p:ph type="sldImg"/>
+          </p:nvPr>
+        </p:nvSpPr>
+        <p:spPr/>
+      </p:sp>
+      <p:sp>
+        <p:nvSpPr>
+          <p:cNvPr id="3" name="Notes Placeholder 2"/>
+          <p:cNvSpPr>
+            <a:spLocks noGrp="1"/>
+          </p:cNvSpPr>
+          <p:nvPr>
+            <p:ph type="body" idx="1"/>
+          </p:nvPr>
+        </p:nvSpPr>
+        <p:spPr/>
+        <p:txBody>
+          <a:bodyPr/>
+          <a:lstStyle/>
+          <a:p>
             <a:endParaRPr lang="en-US" dirty="0"/>
           </a:p>
         </p:txBody>
@@ -2273,7 +2360,7 @@
 </p:notes>
 </file>
 
-<file path=ppt/notesSlides/notesSlide3.xml><?xml version="1.0" encoding="utf-8"?>
+<file path=ppt/notesSlides/notesSlide4.xml><?xml version="1.0" encoding="utf-8"?>
 <p:notes xmlns:a="http://schemas.openxmlformats.org/drawingml/2006/main" xmlns:r="http://schemas.openxmlformats.org/officeDocument/2006/relationships" xmlns:p="http://schemas.openxmlformats.org/presentationml/2006/main">
   <p:cSld>
     <p:spTree>
@@ -2551,7 +2638,7 @@
           <a:p>
             <a:fld id="{ACF1A1B0-862D-4909-A7DB-D8ADA062DFCA}" type="datetimeFigureOut">
               <a:rPr lang="en-US" dirty="0"/>
-              <a:t>5/18/2021</a:t>
+              <a:t>5/19/2021</a:t>
             </a:fld>
             <a:endParaRPr lang="en-US"/>
           </a:p>
@@ -2774,7 +2861,7 @@
           <a:p>
             <a:fld id="{7B156144-9CB7-4E3A-B87E-A382F9BE05EF}" type="datetimeFigureOut">
               <a:rPr lang="en-US" dirty="0"/>
-              <a:t>5/18/2021</a:t>
+              <a:t>5/19/2021</a:t>
             </a:fld>
             <a:endParaRPr lang="en-US"/>
           </a:p>
@@ -2952,7 +3039,7 @@
           <a:p>
             <a:fld id="{2643D55F-46AB-4791-9172-4FA8DD3A6A9C}" type="datetimeFigureOut">
               <a:rPr lang="en-US" dirty="0"/>
-              <a:t>5/18/2021</a:t>
+              <a:t>5/19/2021</a:t>
             </a:fld>
             <a:endParaRPr lang="en-US"/>
           </a:p>
@@ -3120,7 +3207,7 @@
           <a:p>
             <a:fld id="{58026881-8A08-449C-8D73-E5F201F814C1}" type="datetimeFigureOut">
               <a:rPr lang="en-US" dirty="0"/>
-              <a:t>5/18/2021</a:t>
+              <a:t>5/19/2021</a:t>
             </a:fld>
             <a:endParaRPr lang="en-US"/>
           </a:p>
@@ -3410,7 +3497,7 @@
           <a:p>
             <a:fld id="{1BEB5A5E-0C07-4E93-A112-D37B4D166B30}" type="datetimeFigureOut">
               <a:rPr lang="en-US" dirty="0"/>
-              <a:t>5/18/2021</a:t>
+              <a:t>5/19/2021</a:t>
             </a:fld>
             <a:endParaRPr lang="en-US"/>
           </a:p>
@@ -3733,7 +3820,7 @@
           <a:p>
             <a:fld id="{9E1F71C5-DC57-4358-A1EA-30C08AF6E3C5}" type="datetimeFigureOut">
               <a:rPr lang="en-US" dirty="0"/>
-              <a:t>5/18/2021</a:t>
+              <a:t>5/19/2021</a:t>
             </a:fld>
             <a:endParaRPr lang="en-US"/>
           </a:p>
@@ -4142,7 +4229,7 @@
           <a:p>
             <a:fld id="{12571DBA-DE60-4731-B773-47AAA185C143}" type="datetimeFigureOut">
               <a:rPr lang="en-US" dirty="0"/>
-              <a:t>5/18/2021</a:t>
+              <a:t>5/19/2021</a:t>
             </a:fld>
             <a:endParaRPr lang="en-US"/>
           </a:p>
@@ -4259,7 +4346,7 @@
           <a:p>
             <a:fld id="{4F170639-886C-4FCF-9EAB-ABB5DA3F3F4A}" type="datetimeFigureOut">
               <a:rPr lang="en-US" dirty="0"/>
-              <a:t>5/18/2021</a:t>
+              <a:t>5/19/2021</a:t>
             </a:fld>
             <a:endParaRPr lang="en-US"/>
           </a:p>
@@ -4354,7 +4441,7 @@
           <a:p>
             <a:fld id="{34C4A628-C83B-4C66-83F4-1711CE3738FD}" type="datetimeFigureOut">
               <a:rPr lang="en-US" dirty="0"/>
-              <a:t>5/18/2021</a:t>
+              <a:t>5/19/2021</a:t>
             </a:fld>
             <a:endParaRPr lang="en-US"/>
           </a:p>
@@ -4639,7 +4726,7 @@
           <a:p>
             <a:fld id="{B88C1D73-9400-43CA-A37F-F9B7D00DE14C}" type="datetimeFigureOut">
               <a:rPr lang="en-US" dirty="0"/>
-              <a:t>5/18/2021</a:t>
+              <a:t>5/19/2021</a:t>
             </a:fld>
             <a:endParaRPr lang="en-US"/>
           </a:p>
@@ -4911,7 +4998,7 @@
           <a:p>
             <a:fld id="{188B7711-B905-4633-B4D7-6F3A49A2E7D9}" type="datetimeFigureOut">
               <a:rPr lang="en-US" dirty="0"/>
-              <a:t>5/18/2021</a:t>
+              <a:t>5/19/2021</a:t>
             </a:fld>
             <a:endParaRPr lang="en-US"/>
           </a:p>
@@ -5161,7 +5248,7 @@
             <a:fld id="{89C235CF-BDA2-4E7E-8BBD-350479985E74}" type="datetimeFigureOut">
               <a:rPr lang="en-US" dirty="0"/>
               <a:pPr/>
-              <a:t>5/18/2021</a:t>
+              <a:t>5/19/2021</a:t>
             </a:fld>
             <a:endParaRPr lang="en-US"/>
           </a:p>
@@ -6760,19 +6847,31 @@
           <a:p>
             <a:r>
               <a:rPr lang="en-US" dirty="0"/>
-              <a:t>Attendance word: </a:t>
+              <a:t>Attendance </a:t>
+            </a:r>
+            <a:r>
+              <a:rPr lang="en-US" dirty="0" err="1"/>
+              <a:t>word:</a:t>
             </a:r>
             <a:r>
               <a:rPr lang="en-US" b="0" i="0" dirty="0" err="1">
                 <a:solidFill>
-                  <a:schemeClr val="tx1">
-                    <a:lumMod val="95000"/>
-                  </a:schemeClr>
+                  <a:schemeClr val="tx1"/>
                 </a:solidFill>
                 <a:effectLst/>
                 <a:latin typeface="Slack-Lato"/>
               </a:rPr>
-              <a:t>TerrificTSQL</a:t>
+              <a:t>CSSConjurer</a:t>
+            </a:r>
+            <a:r>
+              <a:rPr lang="en-US" b="0" i="0" dirty="0">
+                <a:solidFill>
+                  <a:srgbClr val="1D1C1D"/>
+                </a:solidFill>
+                <a:effectLst/>
+                <a:latin typeface="Slack-Lato"/>
+              </a:rPr>
+              <a:t> </a:t>
             </a:r>
             <a:endParaRPr lang="en-US" dirty="0">
               <a:solidFill>
@@ -7115,15 +7214,7 @@
           <a:p>
             <a:r>
               <a:rPr lang="en-US" dirty="0"/>
-              <a:t>Lambda </a:t>
-            </a:r>
-            <a:r>
-              <a:rPr lang="en-US"/>
-              <a:t>Functions (40 </a:t>
-            </a:r>
-            <a:r>
-              <a:rPr lang="en-US" dirty="0"/>
-              <a:t>mins)</a:t>
+              <a:t>Lambda Functions (35 mins)</a:t>
             </a:r>
           </a:p>
           <a:p>
@@ -7135,7 +7226,7 @@
           <a:p>
             <a:r>
               <a:rPr lang="en-US" dirty="0"/>
-              <a:t>Intro to Machine Learning (30 mins)</a:t>
+              <a:t>Intro to Machine Learning (35 mins)</a:t>
             </a:r>
           </a:p>
           <a:p>
@@ -7584,14 +7675,22 @@
             <a:r>
               <a:rPr lang="en-US" b="0" i="0" dirty="0" err="1">
                 <a:solidFill>
-                  <a:schemeClr val="tx1">
-                    <a:lumMod val="95000"/>
-                  </a:schemeClr>
+                  <a:schemeClr val="tx1"/>
                 </a:solidFill>
                 <a:effectLst/>
                 <a:latin typeface="Slack-Lato"/>
               </a:rPr>
-              <a:t>TerrificTSQL</a:t>
+              <a:t>CSSConjurer</a:t>
+            </a:r>
+            <a:r>
+              <a:rPr lang="en-US" b="0" i="0" dirty="0">
+                <a:solidFill>
+                  <a:srgbClr val="1D1C1D"/>
+                </a:solidFill>
+                <a:effectLst/>
+                <a:latin typeface="Slack-Lato"/>
+              </a:rPr>
+              <a:t> </a:t>
             </a:r>
             <a:endParaRPr lang="en-US" dirty="0">
               <a:solidFill>
